--- a/plots/ensemble_overview.pptx
+++ b/plots/ensemble_overview.pptx
@@ -197,7 +197,7 @@
           <a:p>
             <a:fld id="{C332597D-09BA-D741-8A28-22763BF8B3CC}" type="datetimeFigureOut">
               <a:rPr lang="de-DE" smtClean="0"/>
-              <a:t>11.02.22</a:t>
+              <a:t>24.02.22</a:t>
             </a:fld>
             <a:endParaRPr lang="de-DE"/>
           </a:p>
@@ -684,7 +684,7 @@
           <a:p>
             <a:fld id="{924394B0-BE13-8A4E-86E9-77031865A560}" type="datetimeFigureOut">
               <a:rPr lang="de-DE" smtClean="0"/>
-              <a:t>11.02.22</a:t>
+              <a:t>24.02.22</a:t>
             </a:fld>
             <a:endParaRPr lang="de-DE"/>
           </a:p>
@@ -854,7 +854,7 @@
           <a:p>
             <a:fld id="{924394B0-BE13-8A4E-86E9-77031865A560}" type="datetimeFigureOut">
               <a:rPr lang="de-DE" smtClean="0"/>
-              <a:t>11.02.22</a:t>
+              <a:t>24.02.22</a:t>
             </a:fld>
             <a:endParaRPr lang="de-DE"/>
           </a:p>
@@ -1034,7 +1034,7 @@
           <a:p>
             <a:fld id="{924394B0-BE13-8A4E-86E9-77031865A560}" type="datetimeFigureOut">
               <a:rPr lang="de-DE" smtClean="0"/>
-              <a:t>11.02.22</a:t>
+              <a:t>24.02.22</a:t>
             </a:fld>
             <a:endParaRPr lang="de-DE"/>
           </a:p>
@@ -1204,7 +1204,7 @@
           <a:p>
             <a:fld id="{924394B0-BE13-8A4E-86E9-77031865A560}" type="datetimeFigureOut">
               <a:rPr lang="de-DE" smtClean="0"/>
-              <a:t>11.02.22</a:t>
+              <a:t>24.02.22</a:t>
             </a:fld>
             <a:endParaRPr lang="de-DE"/>
           </a:p>
@@ -1448,7 +1448,7 @@
           <a:p>
             <a:fld id="{924394B0-BE13-8A4E-86E9-77031865A560}" type="datetimeFigureOut">
               <a:rPr lang="de-DE" smtClean="0"/>
-              <a:t>11.02.22</a:t>
+              <a:t>24.02.22</a:t>
             </a:fld>
             <a:endParaRPr lang="de-DE"/>
           </a:p>
@@ -1680,7 +1680,7 @@
           <a:p>
             <a:fld id="{924394B0-BE13-8A4E-86E9-77031865A560}" type="datetimeFigureOut">
               <a:rPr lang="de-DE" smtClean="0"/>
-              <a:t>11.02.22</a:t>
+              <a:t>24.02.22</a:t>
             </a:fld>
             <a:endParaRPr lang="de-DE"/>
           </a:p>
@@ -2047,7 +2047,7 @@
           <a:p>
             <a:fld id="{924394B0-BE13-8A4E-86E9-77031865A560}" type="datetimeFigureOut">
               <a:rPr lang="de-DE" smtClean="0"/>
-              <a:t>11.02.22</a:t>
+              <a:t>24.02.22</a:t>
             </a:fld>
             <a:endParaRPr lang="de-DE"/>
           </a:p>
@@ -2165,7 +2165,7 @@
           <a:p>
             <a:fld id="{924394B0-BE13-8A4E-86E9-77031865A560}" type="datetimeFigureOut">
               <a:rPr lang="de-DE" smtClean="0"/>
-              <a:t>11.02.22</a:t>
+              <a:t>24.02.22</a:t>
             </a:fld>
             <a:endParaRPr lang="de-DE"/>
           </a:p>
@@ -2260,7 +2260,7 @@
           <a:p>
             <a:fld id="{924394B0-BE13-8A4E-86E9-77031865A560}" type="datetimeFigureOut">
               <a:rPr lang="de-DE" smtClean="0"/>
-              <a:t>11.02.22</a:t>
+              <a:t>24.02.22</a:t>
             </a:fld>
             <a:endParaRPr lang="de-DE"/>
           </a:p>
@@ -2537,7 +2537,7 @@
           <a:p>
             <a:fld id="{924394B0-BE13-8A4E-86E9-77031865A560}" type="datetimeFigureOut">
               <a:rPr lang="de-DE" smtClean="0"/>
-              <a:t>11.02.22</a:t>
+              <a:t>24.02.22</a:t>
             </a:fld>
             <a:endParaRPr lang="de-DE"/>
           </a:p>
@@ -2794,7 +2794,7 @@
           <a:p>
             <a:fld id="{924394B0-BE13-8A4E-86E9-77031865A560}" type="datetimeFigureOut">
               <a:rPr lang="de-DE" smtClean="0"/>
-              <a:t>11.02.22</a:t>
+              <a:t>24.02.22</a:t>
             </a:fld>
             <a:endParaRPr lang="de-DE"/>
           </a:p>
@@ -3007,7 +3007,7 @@
           <a:p>
             <a:fld id="{924394B0-BE13-8A4E-86E9-77031865A560}" type="datetimeFigureOut">
               <a:rPr lang="de-DE" smtClean="0"/>
-              <a:t>11.02.22</a:t>
+              <a:t>24.02.22</a:t>
             </a:fld>
             <a:endParaRPr lang="de-DE"/>
           </a:p>
@@ -7345,8 +7345,8 @@
         </p:nvSpPr>
         <p:spPr>
           <a:xfrm>
-            <a:off x="135623" y="5290567"/>
-            <a:ext cx="1010982" cy="830997"/>
+            <a:off x="75831" y="5290567"/>
+            <a:ext cx="1130566" cy="830997"/>
           </a:xfrm>
           <a:prstGeom prst="rect">
             <a:avLst/>
@@ -7401,13 +7401,13 @@
               <a:rPr lang="de-DE" sz="1600" dirty="0" err="1">
                 <a:latin typeface="+mj-lt"/>
               </a:rPr>
-              <a:t>ReLu</a:t>
+              <a:t>ReLU</a:t>
             </a:r>
             <a:r>
               <a:rPr lang="de-DE" sz="1600" dirty="0">
                 <a:latin typeface="+mj-lt"/>
               </a:rPr>
-              <a:t>, 64)</a:t>
+              <a:t>, 512)</a:t>
             </a:r>
           </a:p>
         </p:txBody>
@@ -7426,8 +7426,8 @@
         </p:nvSpPr>
         <p:spPr>
           <a:xfrm>
-            <a:off x="201570" y="7078772"/>
-            <a:ext cx="781111" cy="830997"/>
+            <a:off x="131038" y="7078772"/>
+            <a:ext cx="922177" cy="830997"/>
           </a:xfrm>
           <a:prstGeom prst="rect">
             <a:avLst/>
@@ -7476,7 +7476,19 @@
               <a:rPr lang="de-DE" sz="1600" dirty="0">
                 <a:latin typeface="+mj-lt"/>
               </a:rPr>
-              <a:t>(1)</a:t>
+              <a:t>(</a:t>
+            </a:r>
+            <a:r>
+              <a:rPr lang="de-DE" sz="1600" dirty="0" err="1">
+                <a:latin typeface="+mj-lt"/>
+              </a:rPr>
+              <a:t>ReLU</a:t>
+            </a:r>
+            <a:r>
+              <a:rPr lang="de-DE" sz="1600" dirty="0">
+                <a:latin typeface="+mj-lt"/>
+              </a:rPr>
+              <a:t>, 1)</a:t>
             </a:r>
           </a:p>
         </p:txBody>
@@ -19556,53 +19568,8 @@
         </p:nvCxnSpPr>
         <p:spPr>
           <a:xfrm flipV="1">
-            <a:off x="6993785" y="7900988"/>
-            <a:ext cx="293709" cy="731918"/>
-          </a:xfrm>
-          <a:prstGeom prst="line">
-            <a:avLst/>
-          </a:prstGeom>
-          <a:ln>
-            <a:solidFill>
-              <a:schemeClr val="tx1"/>
-            </a:solidFill>
-          </a:ln>
-        </p:spPr>
-        <p:style>
-          <a:lnRef idx="1">
-            <a:schemeClr val="dk1"/>
-          </a:lnRef>
-          <a:fillRef idx="0">
-            <a:schemeClr val="dk1"/>
-          </a:fillRef>
-          <a:effectRef idx="0">
-            <a:schemeClr val="dk1"/>
-          </a:effectRef>
-          <a:fontRef idx="minor">
-            <a:schemeClr val="tx1"/>
-          </a:fontRef>
-        </p:style>
-      </p:cxnSp>
-      <p:cxnSp>
-        <p:nvCxnSpPr>
-          <p:cNvPr id="705" name="Gerade Verbindung 704">
-            <a:extLst>
-              <a:ext uri="{FF2B5EF4-FFF2-40B4-BE49-F238E27FC236}">
-                <a16:creationId xmlns:a16="http://schemas.microsoft.com/office/drawing/2014/main" id="{A2213F36-7782-C344-B482-CE028D5B10A8}"/>
-              </a:ext>
-            </a:extLst>
-          </p:cNvPr>
-          <p:cNvCxnSpPr>
-            <a:cxnSpLocks/>
-            <a:stCxn id="668" idx="0"/>
-            <a:endCxn id="715" idx="2"/>
-          </p:cNvCxnSpPr>
-          <p:nvPr/>
-        </p:nvCxnSpPr>
-        <p:spPr>
-          <a:xfrm flipV="1">
-            <a:off x="6993782" y="7887133"/>
-            <a:ext cx="507537" cy="745773"/>
+            <a:off x="6993782" y="7909769"/>
+            <a:ext cx="389657" cy="723137"/>
           </a:xfrm>
           <a:prstGeom prst="line">
             <a:avLst/>
